--- a/Template_Presentation_Students_59.pptx
+++ b/Template_Presentation_Students_59.pptx
@@ -2498,6 +2498,13 @@
   <p:clrMapOvr>
     <a:masterClrMapping/>
   </p:clrMapOvr>
+  <p:timing>
+    <p:tnLst>
+      <p:par>
+        <p:cTn id="1" dur="indefinite" restart="never" nodeType="tmRoot"/>
+      </p:par>
+    </p:tnLst>
+  </p:timing>
 </p:sld>
 </file>
 
@@ -2977,8 +2984,8 @@
         </p:nvSpPr>
         <p:spPr>
           <a:xfrm>
-            <a:off x="685801" y="5853813"/>
-            <a:ext cx="7467600" cy="632224"/>
+            <a:off x="685800" y="5853813"/>
+            <a:ext cx="8305799" cy="632224"/>
           </a:xfrm>
           <a:prstGeom prst="rect">
             <a:avLst/>
@@ -3010,6 +3017,7 @@
                 </a:uFill>
                 <a:latin typeface="Trebuchet MS"/>
                 <a:cs typeface="Trebuchet MS"/>
+                <a:hlinkClick r:id="rId3"/>
               </a:rPr>
               <a:t>https://colab.research.google.com/drive/1Go7RZ_0jOB3lEn8Ioh4WO697fnjg2mfp#scrollTo=TLhpca7w2Lx4</a:t>
             </a:r>
@@ -3023,30 +3031,6 @@
       <p:pic>
         <p:nvPicPr>
           <p:cNvPr id="10" name="Picture 9"/>
-          <p:cNvPicPr>
-            <a:picLocks noChangeAspect="1"/>
-          </p:cNvPicPr>
-          <p:nvPr/>
-        </p:nvPicPr>
-        <p:blipFill>
-          <a:blip r:embed="rId3"/>
-          <a:stretch>
-            <a:fillRect/>
-          </a:stretch>
-        </p:blipFill>
-        <p:spPr>
-          <a:xfrm>
-            <a:off x="755406" y="1182516"/>
-            <a:ext cx="4763165" cy="2029108"/>
-          </a:xfrm>
-          <a:prstGeom prst="rect">
-            <a:avLst/>
-          </a:prstGeom>
-        </p:spPr>
-      </p:pic>
-      <p:pic>
-        <p:nvPicPr>
-          <p:cNvPr id="11" name="Picture 10"/>
           <p:cNvPicPr>
             <a:picLocks noChangeAspect="1"/>
           </p:cNvPicPr>
@@ -3060,8 +3044,8 @@
         </p:blipFill>
         <p:spPr>
           <a:xfrm>
-            <a:off x="5562600" y="436674"/>
-            <a:ext cx="3886200" cy="3011529"/>
+            <a:off x="755406" y="1182516"/>
+            <a:ext cx="4763165" cy="2029108"/>
           </a:xfrm>
           <a:prstGeom prst="rect">
             <a:avLst/>
@@ -3070,7 +3054,7 @@
       </p:pic>
       <p:pic>
         <p:nvPicPr>
-          <p:cNvPr id="12" name="Picture 11"/>
+          <p:cNvPr id="11" name="Picture 10"/>
           <p:cNvPicPr>
             <a:picLocks noChangeAspect="1"/>
           </p:cNvPicPr>
@@ -3084,6 +3068,30 @@
         </p:blipFill>
         <p:spPr>
           <a:xfrm>
+            <a:off x="5562600" y="436674"/>
+            <a:ext cx="3886200" cy="3011529"/>
+          </a:xfrm>
+          <a:prstGeom prst="rect">
+            <a:avLst/>
+          </a:prstGeom>
+        </p:spPr>
+      </p:pic>
+      <p:pic>
+        <p:nvPicPr>
+          <p:cNvPr id="12" name="Picture 11"/>
+          <p:cNvPicPr>
+            <a:picLocks noChangeAspect="1"/>
+          </p:cNvPicPr>
+          <p:nvPr/>
+        </p:nvPicPr>
+        <p:blipFill>
+          <a:blip r:embed="rId6"/>
+          <a:stretch>
+            <a:fillRect/>
+          </a:stretch>
+        </p:blipFill>
+        <p:spPr>
+          <a:xfrm>
             <a:off x="752474" y="3238001"/>
             <a:ext cx="4505326" cy="2456574"/>
           </a:xfrm>
@@ -3097,6 +3105,13 @@
   <p:clrMapOvr>
     <a:masterClrMapping/>
   </p:clrMapOvr>
+  <p:timing>
+    <p:tnLst>
+      <p:par>
+        <p:cTn id="1" dur="indefinite" restart="never" nodeType="tmRoot"/>
+      </p:par>
+    </p:tnLst>
+  </p:timing>
 </p:sld>
 </file>
 
@@ -4129,6 +4144,13 @@
   <p:clrMapOvr>
     <a:masterClrMapping/>
   </p:clrMapOvr>
+  <p:timing>
+    <p:tnLst>
+      <p:par>
+        <p:cTn id="1" dur="indefinite" restart="never" nodeType="tmRoot"/>
+      </p:par>
+    </p:tnLst>
+  </p:timing>
 </p:sld>
 </file>
 
@@ -5387,6 +5409,13 @@
   <p:clrMapOvr>
     <a:masterClrMapping/>
   </p:clrMapOvr>
+  <p:timing>
+    <p:tnLst>
+      <p:par>
+        <p:cTn id="1" dur="indefinite" restart="never" nodeType="tmRoot"/>
+      </p:par>
+    </p:tnLst>
+  </p:timing>
 </p:sld>
 </file>
 
@@ -5956,6 +5985,13 @@
   <p:clrMapOvr>
     <a:masterClrMapping/>
   </p:clrMapOvr>
+  <p:timing>
+    <p:tnLst>
+      <p:par>
+        <p:cTn id="1" dur="indefinite" restart="never" nodeType="tmRoot"/>
+      </p:par>
+    </p:tnLst>
+  </p:timing>
 </p:sld>
 </file>
 
@@ -6481,6 +6517,13 @@
   <p:clrMapOvr>
     <a:masterClrMapping/>
   </p:clrMapOvr>
+  <p:timing>
+    <p:tnLst>
+      <p:par>
+        <p:cTn id="1" dur="indefinite" restart="never" nodeType="tmRoot"/>
+      </p:par>
+    </p:tnLst>
+  </p:timing>
 </p:sld>
 </file>
 
@@ -7103,6 +7146,13 @@
   <p:clrMapOvr>
     <a:masterClrMapping/>
   </p:clrMapOvr>
+  <p:timing>
+    <p:tnLst>
+      <p:par>
+        <p:cTn id="1" dur="indefinite" restart="never" nodeType="tmRoot"/>
+      </p:par>
+    </p:tnLst>
+  </p:timing>
 </p:sld>
 </file>
 
@@ -7812,6 +7862,13 @@
   <p:clrMapOvr>
     <a:masterClrMapping/>
   </p:clrMapOvr>
+  <p:timing>
+    <p:tnLst>
+      <p:par>
+        <p:cTn id="1" dur="indefinite" restart="never" nodeType="tmRoot"/>
+      </p:par>
+    </p:tnLst>
+  </p:timing>
 </p:sld>
 </file>
 
@@ -8373,6 +8430,13 @@
   <p:clrMapOvr>
     <a:masterClrMapping/>
   </p:clrMapOvr>
+  <p:timing>
+    <p:tnLst>
+      <p:par>
+        <p:cTn id="1" dur="indefinite" restart="never" nodeType="tmRoot"/>
+      </p:par>
+    </p:tnLst>
+  </p:timing>
 </p:sld>
 </file>
 
@@ -9092,6 +9156,13 @@
   <p:clrMapOvr>
     <a:masterClrMapping/>
   </p:clrMapOvr>
+  <p:timing>
+    <p:tnLst>
+      <p:par>
+        <p:cTn id="1" dur="indefinite" restart="never" nodeType="tmRoot"/>
+      </p:par>
+    </p:tnLst>
+  </p:timing>
 </p:sld>
 </file>
 
